--- a/Documentação/Status Report/status-report-21-09-21-grupo5 -.pptx
+++ b/Documentação/Status Report/status-report-21-09-21-grupo5 -.pptx
@@ -359,7 +359,7 @@
               <a:rPr lang="pt-BR" sz="1400" b="0" strike="noStrike" spc="-1">
                 <a:latin typeface="Times New Roman"/>
               </a:rPr>
-              <a:t>‹#›</a:t>
+              <a:t>‹nº›</a:t>
             </a:fld>
             <a:endParaRPr lang="pt-BR" sz="1400" b="0" strike="noStrike" spc="-1">
               <a:latin typeface="Times New Roman"/>
